--- a/presentation/PromptGen.pptx
+++ b/presentation/PromptGen.pptx
@@ -7981,7 +7981,7 @@
             </a:r>
             <a:r>
               <a:rPr lang="en"/>
-              <a:t>Please respond with answers formatted exactly like this (without quotes): the [River Name] river flows through [List of states river flows through in alphabetical order with an Oxford comma]. Replace [State] with the state mentioned in the prompt, and [List of states river flows through] with the actual states that the river flows through. Do not include any brackets, quotation marks, or other symbols in your answer. Respond with a single sentence only.</a:t>
+              <a:t>Please respond with answers formatted exactly like this (without quotes): the [River Name] river flows through [List of states river flows through in alphabetical order with an Oxford comma]. Replace [River Name] with the river mentioned in the prompt, and [List of states river flows through] with the actual states that the river flows through. Do not include any brackets, quotation marks, or other symbols in your answer. Respond with a single sentence only.</a:t>
             </a:r>
             <a:endParaRPr/>
           </a:p>

--- a/presentation/PromptGen.pptx
+++ b/presentation/PromptGen.pptx
@@ -7202,7 +7202,7 @@
             </a:r>
             <a:r>
               <a:rPr lang="en"/>
-              <a:t> a set of domain specific constraints, can we generate a large dataset of natural language question and answer pairs that can be used to verify or finetine an LLM?</a:t>
+              <a:t> a set of domain specific constraints, can we generate a large dataset of natural language question and answer pairs that can be used to verify or finetune an LLM?</a:t>
             </a:r>
             <a:endParaRPr/>
           </a:p>
